--- a/The16BitsWord-Terraform.pptx
+++ b/The16BitsWord-Terraform.pptx
@@ -3688,23 +3688,14 @@
   <p:cSld>
     <p:bg>
       <p:bgPr>
-        <a:gradFill>
-          <a:gsLst>
-            <a:gs pos="0">
-              <a:schemeClr val="accent1">
-                <a:lumMod val="5000"/>
-                <a:lumOff val="95000"/>
-              </a:schemeClr>
-            </a:gs>
-            <a:gs pos="100000">
-              <a:schemeClr val="accent2">
-                <a:lumMod val="20000"/>
-                <a:lumOff val="80000"/>
-              </a:schemeClr>
-            </a:gs>
-          </a:gsLst>
-          <a:lin ang="10800000" scaled="1"/>
-        </a:gradFill>
+        <a:pattFill prst="pct5">
+          <a:fgClr>
+            <a:schemeClr val="accent1"/>
+          </a:fgClr>
+          <a:bgClr>
+            <a:schemeClr val="bg1"/>
+          </a:bgClr>
+        </a:pattFill>
         <a:effectLst/>
       </p:bgPr>
     </p:bg>
@@ -4554,12 +4545,16 @@
           <a:lstStyle/>
           <a:p>
             <a:r>
-              <a:rPr lang="en-US" sz="1200" dirty="0">
+              <a:rPr lang="en-US" sz="1200">
                 <a:latin typeface="Courier New" panose="02070309020205020404" pitchFamily="49" charset="0"/>
                 <a:cs typeface="Courier New" panose="02070309020205020404" pitchFamily="49" charset="0"/>
               </a:rPr>
               <a:t>#The16BitsWord</a:t>
             </a:r>
+            <a:endParaRPr lang="en-US" sz="1200" dirty="0">
+              <a:latin typeface="Courier New" panose="02070309020205020404" pitchFamily="49" charset="0"/>
+              <a:cs typeface="Courier New" panose="02070309020205020404" pitchFamily="49" charset="0"/>
+            </a:endParaRPr>
           </a:p>
         </p:txBody>
       </p:sp>
@@ -4592,7 +4587,7 @@
           <a:lstStyle/>
           <a:p>
             <a:r>
-              <a:rPr lang="en-US" sz="1200" dirty="0">
+              <a:rPr lang="en-US" sz="1200">
                 <a:solidFill>
                   <a:schemeClr val="tx1">
                     <a:lumMod val="65000"/>
@@ -4604,7 +4599,7 @@
               <a:t>Mail    : sakthishanmugam02@gmail.com</a:t>
             </a:r>
             <a:br>
-              <a:rPr lang="en-US" sz="1200" dirty="0">
+              <a:rPr lang="en-US" sz="1200">
                 <a:solidFill>
                   <a:schemeClr val="tx1">
                     <a:lumMod val="65000"/>
@@ -4615,7 +4610,7 @@
               </a:rPr>
             </a:br>
             <a:r>
-              <a:rPr lang="en-US" sz="1200" dirty="0">
+              <a:rPr lang="en-US" sz="1200">
                 <a:solidFill>
                   <a:schemeClr val="tx1">
                     <a:lumMod val="65000"/>
@@ -4629,7 +4624,7 @@
           </a:p>
           <a:p>
             <a:r>
-              <a:rPr lang="en-US" sz="1200" dirty="0">
+              <a:rPr lang="en-US" sz="1200">
                 <a:solidFill>
                   <a:schemeClr val="tx1">
                     <a:lumMod val="65000"/>
@@ -4640,6 +4635,15 @@
               </a:rPr>
               <a:t>Medium  : @sakthishanmugam02</a:t>
             </a:r>
+            <a:endParaRPr lang="en-US" sz="1200" dirty="0">
+              <a:solidFill>
+                <a:schemeClr val="tx1">
+                  <a:lumMod val="65000"/>
+                </a:schemeClr>
+              </a:solidFill>
+              <a:latin typeface="Courier New" panose="02070309020205020404" pitchFamily="49" charset="0"/>
+              <a:cs typeface="Courier New" panose="02070309020205020404" pitchFamily="49" charset="0"/>
+            </a:endParaRPr>
           </a:p>
         </p:txBody>
       </p:sp>
@@ -4672,12 +4676,16 @@
           <a:lstStyle/>
           <a:p>
             <a:r>
-              <a:rPr lang="en-US" sz="1000" dirty="0">
+              <a:rPr lang="en-US" sz="1000">
                 <a:latin typeface="Courier New" panose="02070309020205020404" pitchFamily="49" charset="0"/>
                 <a:cs typeface="Courier New" panose="02070309020205020404" pitchFamily="49" charset="0"/>
               </a:rPr>
               <a:t>“little drops make the mighty ocean”</a:t>
             </a:r>
+            <a:endParaRPr lang="en-US" sz="1000" dirty="0">
+              <a:latin typeface="Courier New" panose="02070309020205020404" pitchFamily="49" charset="0"/>
+              <a:cs typeface="Courier New" panose="02070309020205020404" pitchFamily="49" charset="0"/>
+            </a:endParaRPr>
           </a:p>
         </p:txBody>
       </p:sp>
@@ -4710,7 +4718,7 @@
           <a:lstStyle/>
           <a:p>
             <a:r>
-              <a:rPr lang="en-US" sz="1200" dirty="0">
+              <a:rPr lang="en-US" sz="1200">
                 <a:solidFill>
                   <a:schemeClr val="tx1">
                     <a:alpha val="25000"/>
@@ -4719,9 +4727,46 @@
               </a:rPr>
               <a:t>techgoals.in</a:t>
             </a:r>
-          </a:p>
-        </p:txBody>
-      </p:sp>
+            <a:endParaRPr lang="en-US" sz="1200" dirty="0">
+              <a:solidFill>
+                <a:schemeClr val="tx1">
+                  <a:alpha val="25000"/>
+                </a:schemeClr>
+              </a:solidFill>
+            </a:endParaRPr>
+          </a:p>
+        </p:txBody>
+      </p:sp>
+      <p:pic>
+        <p:nvPicPr>
+          <p:cNvPr id="39" name="Picture 38" descr="A screenshot of a cell phone&#10;&#10;Description automatically generated">
+            <a:extLst>
+              <a:ext uri="{FF2B5EF4-FFF2-40B4-BE49-F238E27FC236}">
+                <a16:creationId xmlns:a16="http://schemas.microsoft.com/office/drawing/2014/main" id="{3C90755E-F126-B445-B6C7-E8FDF31CF029}"/>
+              </a:ext>
+            </a:extLst>
+          </p:cNvPr>
+          <p:cNvPicPr>
+            <a:picLocks noChangeAspect="1"/>
+          </p:cNvPicPr>
+          <p:nvPr/>
+        </p:nvPicPr>
+        <p:blipFill>
+          <a:blip r:embed="rId3"/>
+          <a:stretch>
+            <a:fillRect/>
+          </a:stretch>
+        </p:blipFill>
+        <p:spPr>
+          <a:xfrm>
+            <a:off x="53009" y="67732"/>
+            <a:ext cx="7854858" cy="5786441"/>
+          </a:xfrm>
+          <a:prstGeom prst="rect">
+            <a:avLst/>
+          </a:prstGeom>
+        </p:spPr>
+      </p:pic>
     </p:spTree>
     <p:extLst>
       <p:ext uri="{BB962C8B-B14F-4D97-AF65-F5344CB8AC3E}">
